--- a/additional_resources/HandsOnPythonClass_June25_2020.pptx
+++ b/additional_resources/HandsOnPythonClass_June25_2020.pptx
@@ -264,7 +264,7 @@
           <a:p>
             <a:fld id="{B2711451-5B27-4D77-BE05-07DB986C2FFE}" type="datetimeFigureOut">
               <a:rPr lang="en-US" smtClean="0"/>
-              <a:t>6/24/2020</a:t>
+              <a:t>6/25/2020</a:t>
             </a:fld>
             <a:endParaRPr lang="en-US"/>
           </a:p>
@@ -593,10 +593,10 @@
               <a:defRPr/>
             </a:pPr>
             <a:r>
-              <a:rPr lang="en-US" baseline="0" dirty="0">
+              <a:rPr lang="en-US" baseline="0" dirty="0" smtClean="0">
                 <a:sym typeface="Wingdings" panose="05000000000000000000" pitchFamily="2" charset="2"/>
               </a:rPr>
-              <a:t>Before get started, not the Yes/No icons</a:t>
+              <a:t>Welcome to the intro to data management with python.</a:t>
             </a:r>
           </a:p>
           <a:p>
@@ -617,6 +617,24 @@
               <a:tabLst/>
               <a:defRPr/>
             </a:pPr>
+            <a:r>
+              <a:rPr lang="en-US" baseline="0" dirty="0" smtClean="0">
+                <a:sym typeface="Wingdings" panose="05000000000000000000" pitchFamily="2" charset="2"/>
+              </a:rPr>
+              <a:t>	As mentioned in the course description this is a Primer.  Stay tuned for </a:t>
+            </a:r>
+            <a:r>
+              <a:rPr lang="en-US" baseline="0" dirty="0" err="1" smtClean="0">
+                <a:sym typeface="Wingdings" panose="05000000000000000000" pitchFamily="2" charset="2"/>
+              </a:rPr>
+              <a:t>followup</a:t>
+            </a:r>
+            <a:r>
+              <a:rPr lang="en-US" baseline="0" dirty="0" smtClean="0">
+                <a:sym typeface="Wingdings" panose="05000000000000000000" pitchFamily="2" charset="2"/>
+              </a:rPr>
+              <a:t> Python classes, especially at a future DM face to face</a:t>
+            </a:r>
             <a:endParaRPr lang="en-US" baseline="0" dirty="0">
               <a:sym typeface="Wingdings" panose="05000000000000000000" pitchFamily="2" charset="2"/>
             </a:endParaRPr>
@@ -643,41 +661,82 @@
               <a:rPr lang="en-US" baseline="0" dirty="0">
                 <a:sym typeface="Wingdings" panose="05000000000000000000" pitchFamily="2" charset="2"/>
               </a:rPr>
-              <a:t>How many have code with Python before? How many have code with Python in the last 2 years?</a:t>
-            </a:r>
-          </a:p>
-          <a:p>
+              <a:t>How many have code with Python </a:t>
+            </a:r>
+            <a:r>
+              <a:rPr lang="en-US" baseline="0" dirty="0" smtClean="0">
+                <a:sym typeface="Wingdings" panose="05000000000000000000" pitchFamily="2" charset="2"/>
+              </a:rPr>
+              <a:t>before (YES/NO buttons on the </a:t>
+            </a:r>
+            <a:r>
+              <a:rPr lang="en-US" baseline="0" dirty="0" err="1" smtClean="0">
+                <a:sym typeface="Wingdings" panose="05000000000000000000" pitchFamily="2" charset="2"/>
+              </a:rPr>
+              <a:t>Webex</a:t>
+            </a:r>
+            <a:r>
+              <a:rPr lang="en-US" baseline="0" dirty="0" smtClean="0">
+                <a:sym typeface="Wingdings" panose="05000000000000000000" pitchFamily="2" charset="2"/>
+              </a:rPr>
+              <a:t> window)? </a:t>
+            </a:r>
+            <a:r>
+              <a:rPr lang="en-US" baseline="0" dirty="0">
+                <a:sym typeface="Wingdings" panose="05000000000000000000" pitchFamily="2" charset="2"/>
+              </a:rPr>
+              <a:t>How many have code with Python in the last 2 years</a:t>
+            </a:r>
+            <a:r>
+              <a:rPr lang="en-US" baseline="0" dirty="0" smtClean="0">
+                <a:sym typeface="Wingdings" panose="05000000000000000000" pitchFamily="2" charset="2"/>
+              </a:rPr>
+              <a:t>? (YES/NO buttons on the </a:t>
+            </a:r>
+            <a:r>
+              <a:rPr lang="en-US" baseline="0" dirty="0" err="1" smtClean="0">
+                <a:sym typeface="Wingdings" panose="05000000000000000000" pitchFamily="2" charset="2"/>
+              </a:rPr>
+              <a:t>Webex</a:t>
+            </a:r>
+            <a:r>
+              <a:rPr lang="en-US" baseline="0" dirty="0" smtClean="0">
+                <a:sym typeface="Wingdings" panose="05000000000000000000" pitchFamily="2" charset="2"/>
+              </a:rPr>
+              <a:t> window)</a:t>
+            </a:r>
+            <a:endParaRPr lang="en-US" baseline="0" dirty="0">
+              <a:sym typeface="Wingdings" panose="05000000000000000000" pitchFamily="2" charset="2"/>
+            </a:endParaRPr>
+          </a:p>
+          <a:p>
+            <a:endParaRPr lang="en-US" baseline="0" dirty="0" smtClean="0"/>
+          </a:p>
+          <a:p>
+            <a:r>
+              <a:rPr lang="en-US" baseline="0" dirty="0" smtClean="0"/>
+              <a:t>If you haven't programmed before welcome</a:t>
+            </a:r>
             <a:endParaRPr lang="en-US" baseline="0" dirty="0"/>
           </a:p>
           <a:p>
             <a:r>
               <a:rPr lang="en-US" baseline="0" dirty="0"/>
-              <a:t>Doesn’t really matter where start, most all programming concepts relate to each other.  Sure syntax differences and some methodology but there’s usually techniques and methods cross over between languages.  Where I do fell like your starting from scratch </a:t>
+              <a:t>Doesn’t really matter </a:t>
             </a:r>
             <a:r>
               <a:rPr lang="en-US" baseline="0" dirty="0" smtClean="0"/>
-              <a:t>is… </a:t>
+              <a:t>when or what language you start with, </a:t>
             </a:r>
             <a:r>
               <a:rPr lang="en-US" baseline="0" dirty="0"/>
-              <a:t>programming </a:t>
-            </a:r>
-            <a:r>
-              <a:rPr lang="en-US" baseline="0" dirty="0" err="1"/>
-              <a:t>whithout</a:t>
-            </a:r>
-            <a:r>
-              <a:rPr lang="en-US" baseline="0" dirty="0"/>
-              <a:t> code (i.e. </a:t>
-            </a:r>
-            <a:r>
-              <a:rPr lang="en-US" baseline="0" dirty="0" err="1"/>
-              <a:t>Modelbuilder</a:t>
-            </a:r>
-            <a:r>
-              <a:rPr lang="en-US" baseline="0" dirty="0"/>
-              <a:t>, etc.)</a:t>
-            </a:r>
+              <a:t>most all programming concepts relate to each other.  Sure syntax differences and some methodology but there’s usually techniques and methods cross over between languages</a:t>
+            </a:r>
+            <a:r>
+              <a:rPr lang="en-US" baseline="0" dirty="0" smtClean="0"/>
+              <a:t>.</a:t>
+            </a:r>
+            <a:endParaRPr lang="en-US" baseline="0" dirty="0"/>
           </a:p>
           <a:p>
             <a:endParaRPr lang="en-US" baseline="0" dirty="0"/>
@@ -700,22 +759,12 @@
           <a:p>
             <a:r>
               <a:rPr lang="en-US" baseline="0" dirty="0"/>
-              <a:t>	not much</a:t>
-            </a:r>
-          </a:p>
-          <a:p>
-            <a:r>
-              <a:rPr lang="en-US" baseline="0" dirty="0"/>
-              <a:t>-In general, Why programming/scripting is useful</a:t>
-            </a:r>
-          </a:p>
-          <a:p>
-            <a:r>
-              <a:rPr lang="en-US" baseline="0" dirty="0"/>
-              <a:t>-Valuable to you and “The Service”</a:t>
-            </a:r>
-          </a:p>
-          <a:p>
+              <a:t>	not </a:t>
+            </a:r>
+            <a:r>
+              <a:rPr lang="en-US" baseline="0" dirty="0" smtClean="0"/>
+              <a:t>much</a:t>
+            </a:r>
             <a:endParaRPr lang="en-US" baseline="0" dirty="0"/>
           </a:p>
         </p:txBody>
@@ -1523,57 +1572,6 @@
           <a:bodyPr/>
           <a:lstStyle/>
           <a:p>
-            <a:r>
-              <a:rPr lang="en-US" sz="1200" b="0" i="0" kern="1200" dirty="0">
-                <a:solidFill>
-                  <a:schemeClr val="tx1"/>
-                </a:solidFill>
-                <a:effectLst/>
-                <a:latin typeface="+mn-lt"/>
-                <a:ea typeface="+mn-ea"/>
-                <a:cs typeface="+mn-cs"/>
-              </a:rPr>
-              <a:t>statements are intended to initialize the module</a:t>
-            </a:r>
-          </a:p>
-          <a:p>
-            <a:r>
-              <a:rPr lang="en-US" sz="1200" b="0" i="0" kern="1200" dirty="0">
-                <a:solidFill>
-                  <a:schemeClr val="tx1"/>
-                </a:solidFill>
-                <a:effectLst/>
-                <a:latin typeface="+mn-lt"/>
-                <a:ea typeface="+mn-ea"/>
-                <a:cs typeface="+mn-cs"/>
-              </a:rPr>
-              <a:t>It’s the norm but not required to place all </a:t>
-            </a:r>
-            <a:r>
-              <a:rPr lang="en-US" sz="1200" b="0" i="0" u="none" strike="noStrike" kern="1200" dirty="0">
-                <a:solidFill>
-                  <a:schemeClr val="tx1"/>
-                </a:solidFill>
-                <a:effectLst/>
-                <a:latin typeface="+mn-lt"/>
-                <a:ea typeface="+mn-ea"/>
-                <a:cs typeface="+mn-cs"/>
-                <a:hlinkClick r:id="rId3"/>
-              </a:rPr>
-              <a:t>import</a:t>
-            </a:r>
-            <a:r>
-              <a:rPr lang="en-US" sz="1200" b="0" i="0" kern="1200" dirty="0">
-                <a:solidFill>
-                  <a:schemeClr val="tx1"/>
-                </a:solidFill>
-                <a:effectLst/>
-                <a:latin typeface="+mn-lt"/>
-                <a:ea typeface="+mn-ea"/>
-                <a:cs typeface="+mn-cs"/>
-              </a:rPr>
-              <a:t> statements at the beginning of a module (or script, for that matter)</a:t>
-            </a:r>
             <a:endParaRPr lang="en-US" dirty="0"/>
           </a:p>
         </p:txBody>
@@ -3907,7 +3905,7 @@
           <a:p>
             <a:fld id="{83284890-85D2-4D7B-8EF5-15A9C1DB8F42}" type="datetimeFigureOut">
               <a:rPr lang="en-US" smtClean="0"/>
-              <a:t>6/24/2020</a:t>
+              <a:t>6/25/2020</a:t>
             </a:fld>
             <a:endParaRPr lang="en-US" dirty="0"/>
           </a:p>
@@ -4083,7 +4081,7 @@
           <a:p>
             <a:fld id="{8664C608-40B1-4030-A28D-5B74BC98ADCE}" type="datetimeFigureOut">
               <a:rPr lang="en-US" smtClean="0"/>
-              <a:t>6/24/2020</a:t>
+              <a:t>6/25/2020</a:t>
             </a:fld>
             <a:endParaRPr lang="en-US" dirty="0"/>
           </a:p>
@@ -4265,7 +4263,7 @@
           <a:p>
             <a:fld id="{8664C608-40B1-4030-A28D-5B74BC98ADCE}" type="datetimeFigureOut">
               <a:rPr lang="en-US" smtClean="0"/>
-              <a:t>6/24/2020</a:t>
+              <a:t>6/25/2020</a:t>
             </a:fld>
             <a:endParaRPr lang="en-US" dirty="0"/>
           </a:p>
@@ -4437,7 +4435,7 @@
           <a:p>
             <a:fld id="{8664C608-40B1-4030-A28D-5B74BC98ADCE}" type="datetimeFigureOut">
               <a:rPr lang="en-US" smtClean="0"/>
-              <a:t>6/24/2020</a:t>
+              <a:t>6/25/2020</a:t>
             </a:fld>
             <a:endParaRPr lang="en-US" dirty="0"/>
           </a:p>
@@ -4707,7 +4705,7 @@
           <a:p>
             <a:fld id="{C6F822A4-8DA6-4447-9B1F-C5DB58435268}" type="datetimeFigureOut">
               <a:rPr lang="en-US" smtClean="0"/>
-              <a:t>6/24/2020</a:t>
+              <a:t>6/25/2020</a:t>
             </a:fld>
             <a:endParaRPr lang="en-US" dirty="0"/>
           </a:p>
@@ -4945,7 +4943,7 @@
           <a:p>
             <a:fld id="{8664C608-40B1-4030-A28D-5B74BC98ADCE}" type="datetimeFigureOut">
               <a:rPr lang="en-US" smtClean="0"/>
-              <a:t>6/24/2020</a:t>
+              <a:t>6/25/2020</a:t>
             </a:fld>
             <a:endParaRPr lang="en-US" dirty="0"/>
           </a:p>
@@ -5306,7 +5304,7 @@
           <a:p>
             <a:fld id="{8664C608-40B1-4030-A28D-5B74BC98ADCE}" type="datetimeFigureOut">
               <a:rPr lang="en-US" smtClean="0"/>
-              <a:t>6/24/2020</a:t>
+              <a:t>6/25/2020</a:t>
             </a:fld>
             <a:endParaRPr lang="en-US" dirty="0"/>
           </a:p>
@@ -5449,7 +5447,7 @@
           <a:p>
             <a:fld id="{677919A6-33EB-49BD-A62F-1FA56B9F9712}" type="datetimeFigureOut">
               <a:rPr lang="en-US" smtClean="0"/>
-              <a:t>6/24/2020</a:t>
+              <a:t>6/25/2020</a:t>
             </a:fld>
             <a:endParaRPr lang="en-US" dirty="0"/>
           </a:p>
@@ -5544,7 +5542,7 @@
           <a:p>
             <a:fld id="{CA4E7D1B-D673-4CF6-8672-009D42ABD2A0}" type="datetimeFigureOut">
               <a:rPr lang="en-US" smtClean="0"/>
-              <a:t>6/24/2020</a:t>
+              <a:t>6/25/2020</a:t>
             </a:fld>
             <a:endParaRPr lang="en-US" dirty="0"/>
           </a:p>
@@ -5901,7 +5899,7 @@
           <a:p>
             <a:fld id="{8664C608-40B1-4030-A28D-5B74BC98ADCE}" type="datetimeFigureOut">
               <a:rPr lang="en-US" smtClean="0"/>
-              <a:t>6/24/2020</a:t>
+              <a:t>6/25/2020</a:t>
             </a:fld>
             <a:endParaRPr lang="en-US" dirty="0"/>
           </a:p>
@@ -6260,7 +6258,7 @@
           <a:p>
             <a:fld id="{3772C379-9A7C-4C87-A116-CBE9F58B04C5}" type="datetimeFigureOut">
               <a:rPr lang="en-US" smtClean="0"/>
-              <a:t>6/24/2020</a:t>
+              <a:t>6/25/2020</a:t>
             </a:fld>
             <a:endParaRPr lang="en-US" dirty="0"/>
           </a:p>
@@ -6501,7 +6499,7 @@
           <a:p>
             <a:fld id="{8664C608-40B1-4030-A28D-5B74BC98ADCE}" type="datetimeFigureOut">
               <a:rPr lang="en-US" smtClean="0"/>
-              <a:t>6/24/2020</a:t>
+              <a:t>6/25/2020</a:t>
             </a:fld>
             <a:endParaRPr lang="en-US" dirty="0"/>
           </a:p>
@@ -7007,7 +7005,7 @@
         </p:spPr>
         <p:txBody>
           <a:bodyPr>
-            <a:normAutofit lnSpcReduction="10000"/>
+            <a:normAutofit fontScale="92500" lnSpcReduction="20000"/>
           </a:bodyPr>
           <a:lstStyle/>
           <a:p>
@@ -7117,6 +7115,29 @@
               </a:rPr>
               <a:t>Matt Heller matthew_heller@fws.gov – SA - Bozeman, MT</a:t>
             </a:r>
+          </a:p>
+          <a:p>
+            <a:r>
+              <a:rPr lang="en-US" sz="2700" dirty="0" smtClean="0">
+                <a:solidFill>
+                  <a:srgbClr val="FF0000"/>
+                </a:solidFill>
+              </a:rPr>
+              <a:t>Please open </a:t>
+            </a:r>
+            <a:r>
+              <a:rPr lang="en-US" sz="2800" dirty="0">
+                <a:solidFill>
+                  <a:srgbClr val="FF0000"/>
+                </a:solidFill>
+              </a:rPr>
+              <a:t>HandsOnPythonClass_June25_2020_StudentReference.docx</a:t>
+            </a:r>
+            <a:endParaRPr lang="en-US" sz="2700" dirty="0">
+              <a:solidFill>
+                <a:srgbClr val="FF0000"/>
+              </a:solidFill>
+            </a:endParaRPr>
           </a:p>
           <a:p>
             <a:endParaRPr lang="en-US" dirty="0"/>
@@ -7426,6 +7447,13 @@
   <p:clrMapOvr>
     <a:masterClrMapping/>
   </p:clrMapOvr>
+  <p:timing>
+    <p:tnLst>
+      <p:par>
+        <p:cTn id="1" dur="indefinite" restart="never" nodeType="tmRoot"/>
+      </p:par>
+    </p:tnLst>
+  </p:timing>
 </p:sld>
 </file>
 
@@ -7636,6 +7664,13 @@
   <p:clrMapOvr>
     <a:masterClrMapping/>
   </p:clrMapOvr>
+  <p:timing>
+    <p:tnLst>
+      <p:par>
+        <p:cTn id="1" dur="indefinite" restart="never" nodeType="tmRoot"/>
+      </p:par>
+    </p:tnLst>
+  </p:timing>
 </p:sld>
 </file>
 
@@ -7830,6 +7865,13 @@
   <p:clrMapOvr>
     <a:masterClrMapping/>
   </p:clrMapOvr>
+  <p:timing>
+    <p:tnLst>
+      <p:par>
+        <p:cTn id="1" dur="indefinite" restart="never" nodeType="tmRoot"/>
+      </p:par>
+    </p:tnLst>
+  </p:timing>
 </p:sld>
 </file>
 
@@ -8309,6 +8351,13 @@
   <p:clrMapOvr>
     <a:masterClrMapping/>
   </p:clrMapOvr>
+  <p:timing>
+    <p:tnLst>
+      <p:par>
+        <p:cTn id="1" dur="indefinite" restart="never" nodeType="tmRoot"/>
+      </p:par>
+    </p:tnLst>
+  </p:timing>
 </p:sld>
 </file>
 
@@ -8409,6 +8458,13 @@
   <p:clrMapOvr>
     <a:masterClrMapping/>
   </p:clrMapOvr>
+  <p:timing>
+    <p:tnLst>
+      <p:par>
+        <p:cTn id="1" dur="indefinite" restart="never" nodeType="tmRoot"/>
+      </p:par>
+    </p:tnLst>
+  </p:timing>
 </p:sld>
 </file>
 
@@ -8480,7 +8536,15 @@
           <a:p>
             <a:r>
               <a:rPr lang="en-US" sz="2500" dirty="0"/>
-              <a:t>What is it:  Indicate text in a file that is not to be executed when running a script</a:t>
+              <a:t>What is it:  Indicate </a:t>
+            </a:r>
+            <a:r>
+              <a:rPr lang="en-US" sz="2500" dirty="0" smtClean="0"/>
+              <a:t>text (with a # symbol) </a:t>
+            </a:r>
+            <a:r>
+              <a:rPr lang="en-US" sz="2500" dirty="0"/>
+              <a:t>in a file that is not to be executed when running a script</a:t>
             </a:r>
           </a:p>
           <a:p>
@@ -9035,6 +9099,13 @@
   <p:clrMapOvr>
     <a:masterClrMapping/>
   </p:clrMapOvr>
+  <p:timing>
+    <p:tnLst>
+      <p:par>
+        <p:cTn id="1" dur="indefinite" restart="never" nodeType="tmRoot"/>
+      </p:par>
+    </p:tnLst>
+  </p:timing>
 </p:sld>
 </file>
 
@@ -9199,6 +9270,13 @@
   <p:clrMapOvr>
     <a:masterClrMapping/>
   </p:clrMapOvr>
+  <p:timing>
+    <p:tnLst>
+      <p:par>
+        <p:cTn id="1" dur="indefinite" restart="never" nodeType="tmRoot"/>
+      </p:par>
+    </p:tnLst>
+  </p:timing>
 </p:sld>
 </file>
 
@@ -9484,6 +9562,13 @@
   <p:clrMapOvr>
     <a:masterClrMapping/>
   </p:clrMapOvr>
+  <p:timing>
+    <p:tnLst>
+      <p:par>
+        <p:cTn id="1" dur="indefinite" restart="never" nodeType="tmRoot"/>
+      </p:par>
+    </p:tnLst>
+  </p:timing>
 </p:sld>
 </file>
 
@@ -10073,6 +10158,13 @@
   <p:clrMapOvr>
     <a:masterClrMapping/>
   </p:clrMapOvr>
+  <p:timing>
+    <p:tnLst>
+      <p:par>
+        <p:cTn id="1" dur="indefinite" restart="never" nodeType="tmRoot"/>
+      </p:par>
+    </p:tnLst>
+  </p:timing>
 </p:sld>
 </file>
 
@@ -10863,6 +10955,13 @@
   <p:clrMapOvr>
     <a:masterClrMapping/>
   </p:clrMapOvr>
+  <p:timing>
+    <p:tnLst>
+      <p:par>
+        <p:cTn id="1" dur="indefinite" restart="never" nodeType="tmRoot"/>
+      </p:par>
+    </p:tnLst>
+  </p:timing>
 </p:sld>
 </file>
 
@@ -10994,6 +11093,13 @@
   <p:clrMapOvr>
     <a:masterClrMapping/>
   </p:clrMapOvr>
+  <p:timing>
+    <p:tnLst>
+      <p:par>
+        <p:cTn id="1" dur="indefinite" restart="never" nodeType="tmRoot"/>
+      </p:par>
+    </p:tnLst>
+  </p:timing>
 </p:sld>
 </file>
 
@@ -11071,13 +11177,25 @@
             </a:pPr>
             <a:r>
               <a:rPr lang="en-US" sz="3400" u="sng" dirty="0" smtClean="0"/>
-              <a:t>Materials  </a:t>
-            </a:r>
-            <a:r>
-              <a:rPr lang="en-US" sz="3400" dirty="0"/>
+              <a:t>Materials</a:t>
+            </a:r>
+            <a:r>
+              <a:rPr lang="en-US" sz="3400" dirty="0" smtClean="0"/>
+              <a:t>  </a:t>
+            </a:r>
+            <a:r>
+              <a:rPr lang="en-US" sz="3400" dirty="0">
+                <a:solidFill>
+                  <a:srgbClr val="00B050"/>
+                </a:solidFill>
+              </a:rPr>
               <a:t>https://github.com/thoufer/IntroPythonDataTraining</a:t>
             </a:r>
-            <a:endParaRPr lang="en-US" sz="3400" u="sng" dirty="0" smtClean="0"/>
+            <a:endParaRPr lang="en-US" sz="3400" u="sng" dirty="0" smtClean="0">
+              <a:solidFill>
+                <a:srgbClr val="00B050"/>
+              </a:solidFill>
+            </a:endParaRPr>
           </a:p>
           <a:p>
             <a:pPr lvl="1">
@@ -11091,7 +11209,15 @@
             </a:r>
             <a:r>
               <a:rPr lang="en-US" sz="3400" dirty="0"/>
-              <a:t>1 and 2 attendee reference: HandsOnPythonClass_June25_2020_StudentReference.docx</a:t>
+              <a:t>1 and 2 attendee reference: </a:t>
+            </a:r>
+            <a:r>
+              <a:rPr lang="en-US" sz="3400" dirty="0">
+                <a:solidFill>
+                  <a:srgbClr val="FF0000"/>
+                </a:solidFill>
+              </a:rPr>
+              <a:t>HandsOnPythonClass_June25_2020_StudentReference.docx</a:t>
             </a:r>
           </a:p>
           <a:p>
@@ -11352,7 +11478,7 @@
         <p:spPr>
           <a:xfrm>
             <a:off x="50196" y="1301909"/>
-            <a:ext cx="12059556" cy="967158"/>
+            <a:ext cx="12059556" cy="1170358"/>
           </a:xfrm>
           <a:prstGeom prst="rect">
             <a:avLst/>
@@ -11360,7 +11486,7 @@
         </p:spPr>
         <p:txBody>
           <a:bodyPr vert="horz" lIns="91440" tIns="45720" rIns="91440" bIns="45720" rtlCol="0" anchor="t">
-            <a:normAutofit fontScale="70000" lnSpcReduction="20000"/>
+            <a:normAutofit fontScale="77500" lnSpcReduction="20000"/>
           </a:bodyPr>
           <a:lstStyle>
             <a:lvl1pPr marL="228600" indent="-228600" algn="l" defTabSz="914400" rtl="0" eaLnBrk="1" latinLnBrk="0" hangingPunct="1">
@@ -11584,7 +11710,7 @@
             </a:r>
             <a:r>
               <a:rPr lang="en-US" sz="2800" dirty="0" smtClean="0"/>
-              <a:t>will do their best to answer questions.</a:t>
+              <a:t>will do their best to answer questions.  Instructors/TA’s may have side screen share sessions with you</a:t>
             </a:r>
             <a:endParaRPr lang="en-US" dirty="0" smtClean="0"/>
           </a:p>
@@ -11662,6 +11788,13 @@
   <p:clrMapOvr>
     <a:masterClrMapping/>
   </p:clrMapOvr>
+  <p:timing>
+    <p:tnLst>
+      <p:par>
+        <p:cTn id="1" dur="indefinite" restart="never" nodeType="tmRoot"/>
+      </p:par>
+    </p:tnLst>
+  </p:timing>
 </p:sld>
 </file>
 
@@ -11827,16 +11960,13 @@
             <a:pPr lvl="1"/>
             <a:r>
               <a:rPr lang="en-US" sz="2000" dirty="0"/>
-              <a:t>Benefit from the development of additional modules in numerous niches of Python by </a:t>
+              <a:t>Benefit from the development of additional modules in numerous niches of </a:t>
             </a:r>
             <a:r>
               <a:rPr lang="en-US" sz="2000" dirty="0" smtClean="0"/>
-              <a:t>Data Manager and GIS </a:t>
-            </a:r>
-            <a:r>
-              <a:rPr lang="en-US" sz="2000" dirty="0"/>
-              <a:t>professionals and programmers from many different disciplines.</a:t>
-            </a:r>
+              <a:t>Data Manager and GIS, etc.</a:t>
+            </a:r>
+            <a:endParaRPr lang="en-US" sz="2000" dirty="0"/>
           </a:p>
           <a:p>
             <a:pPr marL="0" indent="0" algn="r">
@@ -11859,6 +11989,13 @@
   <p:clrMapOvr>
     <a:masterClrMapping/>
   </p:clrMapOvr>
+  <p:timing>
+    <p:tnLst>
+      <p:par>
+        <p:cTn id="1" dur="indefinite" restart="never" nodeType="tmRoot"/>
+      </p:par>
+    </p:tnLst>
+  </p:timing>
 </p:sld>
 </file>
 
@@ -11960,6 +12097,13 @@
   <p:clrMapOvr>
     <a:masterClrMapping/>
   </p:clrMapOvr>
+  <p:timing>
+    <p:tnLst>
+      <p:par>
+        <p:cTn id="1" dur="indefinite" restart="never" nodeType="tmRoot"/>
+      </p:par>
+    </p:tnLst>
+  </p:timing>
 </p:sld>
 </file>
 
@@ -12420,6 +12564,13 @@
   <p:clrMapOvr>
     <a:masterClrMapping/>
   </p:clrMapOvr>
+  <p:timing>
+    <p:tnLst>
+      <p:par>
+        <p:cTn id="1" dur="indefinite" restart="never" nodeType="tmRoot"/>
+      </p:par>
+    </p:tnLst>
+  </p:timing>
 </p:sld>
 </file>
 
@@ -12467,8 +12618,8 @@
               <a:t>For Loops, </a:t>
             </a:r>
             <a:r>
-              <a:rPr lang="en-US" dirty="0" err="1" smtClean="0"/>
-              <a:t>IteratinG</a:t>
+              <a:rPr lang="en-US" dirty="0" smtClean="0"/>
+              <a:t>Iterating</a:t>
             </a:r>
             <a:endParaRPr lang="en-US" dirty="0"/>
           </a:p>
@@ -12486,13 +12637,13 @@
         </p:nvSpPr>
         <p:spPr>
           <a:xfrm>
-            <a:off x="172720" y="1199848"/>
-            <a:ext cx="11780520" cy="5561632"/>
+            <a:off x="172720" y="1016000"/>
+            <a:ext cx="11780520" cy="5745480"/>
           </a:xfrm>
         </p:spPr>
         <p:txBody>
           <a:bodyPr>
-            <a:normAutofit fontScale="77500" lnSpcReduction="20000"/>
+            <a:normAutofit fontScale="92500" lnSpcReduction="10000"/>
           </a:bodyPr>
           <a:lstStyle/>
           <a:p>
@@ -12769,30 +12920,21 @@
                   <a:schemeClr val="tx1"/>
                 </a:solidFill>
               </a:rPr>
-              <a:t>Pass Statement - pass statement to write empty loops</a:t>
-            </a:r>
-          </a:p>
-          <a:p>
-            <a:pPr marL="0" indent="0" algn="r">
-              <a:lnSpc>
-                <a:spcPct val="110000"/>
-              </a:lnSpc>
-              <a:buClr>
-                <a:schemeClr val="accent1">
-                  <a:lumMod val="75000"/>
-                </a:schemeClr>
-              </a:buClr>
-              <a:buSzPct val="85000"/>
-              <a:buNone/>
-            </a:pPr>
-            <a:r>
-              <a:rPr lang="en-US" sz="2200" dirty="0">
+              <a:t>Pass Statement - pass statement to write empty </a:t>
+            </a:r>
+            <a:r>
+              <a:rPr lang="en-US" sz="2200" dirty="0" smtClean="0">
                 <a:solidFill>
                   <a:schemeClr val="tx1"/>
                 </a:solidFill>
               </a:rPr>
-              <a:t>https://www.geeksforgeeks.org/</a:t>
-            </a:r>
+              <a:t>loops			https://www.geeksforgeeks.org/</a:t>
+            </a:r>
+            <a:endParaRPr lang="en-US" sz="2200" dirty="0">
+              <a:solidFill>
+                <a:schemeClr val="tx1"/>
+              </a:solidFill>
+            </a:endParaRPr>
           </a:p>
           <a:p>
             <a:pPr marL="331470" indent="-182880">
@@ -12814,60 +12956,15 @@
                   <a:schemeClr val="tx1"/>
                 </a:solidFill>
               </a:rPr>
-              <a:t>Why: Handle repetitive tasks</a:t>
-            </a:r>
-          </a:p>
-          <a:p>
-            <a:pPr marL="331470" indent="-182880">
-              <a:lnSpc>
-                <a:spcPct val="110000"/>
-              </a:lnSpc>
-              <a:buClr>
-                <a:schemeClr val="accent1">
-                  <a:lumMod val="75000"/>
-                </a:schemeClr>
-              </a:buClr>
-              <a:buSzPct val="85000"/>
-              <a:buFont typeface="Wingdings" pitchFamily="2" charset="2"/>
-              <a:buChar char="§"/>
-            </a:pPr>
+              <a:t>Why: Handle repetitive </a:t>
+            </a:r>
             <a:r>
               <a:rPr lang="en-US" sz="2200" dirty="0" smtClean="0">
                 <a:solidFill>
                   <a:schemeClr val="tx1"/>
                 </a:solidFill>
               </a:rPr>
-              <a:t>What </a:t>
-            </a:r>
-            <a:r>
-              <a:rPr lang="en-US" sz="2200" dirty="0">
-                <a:solidFill>
-                  <a:schemeClr val="tx1"/>
-                </a:solidFill>
-              </a:rPr>
-              <a:t>is a multi-dimensional list:  Multi-dimensional lists are the lists within lists</a:t>
-            </a:r>
-          </a:p>
-          <a:p>
-            <a:pPr marL="0" indent="0" algn="r">
-              <a:lnSpc>
-                <a:spcPct val="110000"/>
-              </a:lnSpc>
-              <a:buClr>
-                <a:schemeClr val="accent1">
-                  <a:lumMod val="75000"/>
-                </a:schemeClr>
-              </a:buClr>
-              <a:buSzPct val="85000"/>
-              <a:buNone/>
-            </a:pPr>
-            <a:r>
-              <a:rPr lang="en-US" sz="2200" dirty="0">
-                <a:solidFill>
-                  <a:schemeClr val="tx1"/>
-                </a:solidFill>
-              </a:rPr>
-              <a:t>https://www.geeksforgeeks.org/</a:t>
+              <a:t>tasks</a:t>
             </a:r>
           </a:p>
         </p:txBody>
@@ -12882,6 +12979,13 @@
   <p:clrMapOvr>
     <a:masterClrMapping/>
   </p:clrMapOvr>
+  <p:timing>
+    <p:tnLst>
+      <p:par>
+        <p:cTn id="1" dur="indefinite" restart="never" nodeType="tmRoot"/>
+      </p:par>
+    </p:tnLst>
+  </p:timing>
 </p:sld>
 </file>
 
@@ -12941,8 +13045,8 @@
         </p:nvSpPr>
         <p:spPr>
           <a:xfrm>
-            <a:off x="497840" y="1000760"/>
-            <a:ext cx="7035800" cy="767080"/>
+            <a:off x="201129" y="1000759"/>
+            <a:ext cx="11874757" cy="1232551"/>
           </a:xfrm>
           <a:prstGeom prst="rect">
             <a:avLst/>
@@ -12950,7 +13054,7 @@
         </p:spPr>
         <p:txBody>
           <a:bodyPr vert="horz" lIns="91440" tIns="45720" rIns="91440" bIns="45720" rtlCol="0">
-            <a:normAutofit/>
+            <a:noAutofit/>
           </a:bodyPr>
           <a:lstStyle>
             <a:lvl1pPr marL="182880" indent="-182880" algn="l" defTabSz="914400" rtl="0" eaLnBrk="1" latinLnBrk="0" hangingPunct="1">
@@ -13196,8 +13300,35 @@
           </a:lstStyle>
           <a:p>
             <a:r>
-              <a:rPr lang="en-US" dirty="0"/>
-              <a:t>Example of looping through a 2 dimensional list</a:t>
+              <a:rPr lang="en-US" sz="2300" dirty="0"/>
+              <a:t>What is a multi-dimensional list:  Multi-dimensional lists are the lists within </a:t>
+            </a:r>
+            <a:r>
+              <a:rPr lang="en-US" sz="2300" dirty="0" smtClean="0"/>
+              <a:t>lists</a:t>
+            </a:r>
+          </a:p>
+          <a:p>
+            <a:pPr marL="0" indent="0" algn="r">
+              <a:buNone/>
+            </a:pPr>
+            <a:r>
+              <a:rPr lang="en-US" sz="2300" dirty="0" smtClean="0"/>
+              <a:t>https</a:t>
+            </a:r>
+            <a:r>
+              <a:rPr lang="en-US" sz="2300" dirty="0"/>
+              <a:t>://www.geeksforgeeks.org/</a:t>
+            </a:r>
+          </a:p>
+          <a:p>
+            <a:r>
+              <a:rPr lang="en-US" sz="2300" dirty="0" smtClean="0"/>
+              <a:t>Example </a:t>
+            </a:r>
+            <a:r>
+              <a:rPr lang="en-US" sz="2300" dirty="0"/>
+              <a:t>of looping through a 2 dimensional list</a:t>
             </a:r>
           </a:p>
         </p:txBody>
@@ -13218,7 +13349,7 @@
         </p:blipFill>
         <p:spPr>
           <a:xfrm>
-            <a:off x="191453" y="1593532"/>
+            <a:off x="201129" y="2373039"/>
             <a:ext cx="10435907" cy="2846156"/>
           </a:xfrm>
           <a:prstGeom prst="rect">
@@ -13242,8 +13373,8 @@
         </p:blipFill>
         <p:spPr>
           <a:xfrm>
-            <a:off x="4997450" y="3483060"/>
-            <a:ext cx="6305550" cy="3200400"/>
+            <a:off x="6381447" y="3776713"/>
+            <a:ext cx="5879495" cy="2984155"/>
           </a:xfrm>
           <a:prstGeom prst="rect">
             <a:avLst/>
@@ -13260,6 +13391,13 @@
   <p:clrMapOvr>
     <a:masterClrMapping/>
   </p:clrMapOvr>
+  <p:timing>
+    <p:tnLst>
+      <p:par>
+        <p:cTn id="1" dur="indefinite" restart="never" nodeType="tmRoot"/>
+      </p:par>
+    </p:tnLst>
+  </p:timing>
 </p:sld>
 </file>
 
@@ -13427,6 +13565,13 @@
   <p:clrMapOvr>
     <a:masterClrMapping/>
   </p:clrMapOvr>
+  <p:timing>
+    <p:tnLst>
+      <p:par>
+        <p:cTn id="1" dur="indefinite" restart="never" nodeType="tmRoot"/>
+      </p:par>
+    </p:tnLst>
+  </p:timing>
 </p:sld>
 </file>
 
@@ -13497,15 +13642,15 @@
           <a:lstStyle/>
           <a:p>
             <a:r>
-              <a:rPr lang="en-US" dirty="0"/>
+              <a:rPr lang="en-US" sz="2100" dirty="0"/>
               <a:t>What it is:  Python includes many built-in functions,  users can also define </a:t>
             </a:r>
             <a:r>
-              <a:rPr lang="en-US" dirty="0" smtClean="0"/>
+              <a:rPr lang="en-US" sz="2100" dirty="0" smtClean="0"/>
               <a:t>functions.  A </a:t>
             </a:r>
             <a:r>
-              <a:rPr lang="en-US" dirty="0"/>
+              <a:rPr lang="en-US" sz="2100" dirty="0"/>
               <a:t>function is a reusable block of programming statements designed to perform a certain task. </a:t>
             </a:r>
           </a:p>
@@ -13514,27 +13659,27 @@
               <a:buNone/>
             </a:pPr>
             <a:r>
-              <a:rPr lang="en-US" i="1" dirty="0"/>
+              <a:rPr lang="en-US" sz="2100" i="1" dirty="0"/>
               <a:t>https://www.tutorialsteacher.com/</a:t>
             </a:r>
           </a:p>
           <a:p>
             <a:r>
-              <a:rPr lang="en-US" dirty="0"/>
+              <a:rPr lang="en-US" sz="2100" dirty="0"/>
               <a:t>Why:</a:t>
             </a:r>
           </a:p>
           <a:p>
             <a:pPr lvl="1"/>
             <a:r>
-              <a:rPr lang="en-US" sz="2000" dirty="0"/>
+              <a:rPr lang="en-US" sz="2100" dirty="0"/>
               <a:t>Organize code for readability and reusability</a:t>
             </a:r>
           </a:p>
           <a:p>
             <a:pPr lvl="1"/>
             <a:r>
-              <a:rPr lang="en-US" sz="2000" dirty="0"/>
+              <a:rPr lang="en-US" sz="2100" dirty="0"/>
               <a:t>Helps with DRY</a:t>
             </a:r>
           </a:p>
@@ -13543,27 +13688,27 @@
               <a:buNone/>
             </a:pPr>
             <a:r>
-              <a:rPr lang="en-US" sz="2000" b="1" i="1" dirty="0"/>
+              <a:rPr lang="en-US" sz="2100" b="1" i="1" dirty="0"/>
               <a:t>Don't repeat yourself</a:t>
             </a:r>
             <a:r>
-              <a:rPr lang="en-US" sz="2000" i="1" dirty="0"/>
+              <a:rPr lang="en-US" sz="2100" i="1" dirty="0"/>
               <a:t> (</a:t>
             </a:r>
             <a:r>
-              <a:rPr lang="en-US" sz="2000" b="1" i="1" dirty="0"/>
+              <a:rPr lang="en-US" sz="2100" b="1" i="1" dirty="0"/>
               <a:t>DRY</a:t>
             </a:r>
             <a:r>
-              <a:rPr lang="en-US" sz="2000" i="1" dirty="0"/>
+              <a:rPr lang="en-US" sz="2100" i="1" dirty="0"/>
               <a:t>, or sometimes </a:t>
             </a:r>
             <a:r>
-              <a:rPr lang="en-US" sz="2000" b="1" i="1" dirty="0"/>
+              <a:rPr lang="en-US" sz="2100" b="1" i="1" dirty="0"/>
               <a:t>do not repeat yourself</a:t>
             </a:r>
             <a:r>
-              <a:rPr lang="en-US" sz="2000" i="1" dirty="0"/>
+              <a:rPr lang="en-US" sz="2100" i="1" dirty="0"/>
               <a:t>) is a principle of software development aimed at reducing repetition of software patterns, replacing it with abstractions or using data normalization to avoid redundancy.</a:t>
             </a:r>
           </a:p>
@@ -13572,28 +13717,28 @@
               <a:buNone/>
             </a:pPr>
             <a:r>
-              <a:rPr lang="en-US" sz="2000" i="1" dirty="0">
+              <a:rPr lang="en-US" sz="2100" i="1" dirty="0">
                 <a:hlinkClick r:id="rId3"/>
               </a:rPr>
               <a:t>https://en.wikipedia.org/</a:t>
             </a:r>
-            <a:endParaRPr lang="en-US" sz="2000" i="1" dirty="0"/>
-          </a:p>
-          <a:p>
-            <a:pPr lvl="1"/>
-            <a:endParaRPr lang="en-US" sz="2000" dirty="0"/>
-          </a:p>
-          <a:p>
-            <a:r>
-              <a:rPr lang="en-US" dirty="0"/>
-              <a:t>How:  To define a function, Python provides the </a:t>
-            </a:r>
-            <a:r>
-              <a:rPr lang="en-US" dirty="0" err="1"/>
+            <a:endParaRPr lang="en-US" sz="2100" i="1" dirty="0"/>
+          </a:p>
+          <a:p>
+            <a:r>
+              <a:rPr lang="en-US" sz="2100" dirty="0" smtClean="0"/>
+              <a:t>How</a:t>
+            </a:r>
+            <a:r>
+              <a:rPr lang="en-US" sz="2100" dirty="0"/>
+              <a:t>:  To define a function, Python provides the </a:t>
+            </a:r>
+            <a:r>
+              <a:rPr lang="en-US" sz="2100" dirty="0" err="1"/>
               <a:t>def</a:t>
             </a:r>
             <a:r>
-              <a:rPr lang="en-US" dirty="0"/>
+              <a:rPr lang="en-US" sz="2100" dirty="0"/>
               <a:t> keyword, add colon, proper indentation, call the function</a:t>
             </a:r>
           </a:p>
@@ -13665,6 +13810,13 @@
   <p:clrMapOvr>
     <a:masterClrMapping/>
   </p:clrMapOvr>
+  <p:timing>
+    <p:tnLst>
+      <p:par>
+        <p:cTn id="1" dur="indefinite" restart="never" nodeType="tmRoot"/>
+      </p:par>
+    </p:tnLst>
+  </p:timing>
 </p:sld>
 </file>
 
@@ -14718,6 +14870,13 @@
   <p:clrMapOvr>
     <a:masterClrMapping/>
   </p:clrMapOvr>
+  <p:timing>
+    <p:tnLst>
+      <p:par>
+        <p:cTn id="1" dur="indefinite" restart="never" nodeType="tmRoot"/>
+      </p:par>
+    </p:tnLst>
+  </p:timing>
 </p:sld>
 </file>
 
@@ -15584,6 +15743,13 @@
   <p:clrMapOvr>
     <a:masterClrMapping/>
   </p:clrMapOvr>
+  <p:timing>
+    <p:tnLst>
+      <p:par>
+        <p:cTn id="1" dur="indefinite" restart="never" nodeType="tmRoot"/>
+      </p:par>
+    </p:tnLst>
+  </p:timing>
 </p:sld>
 </file>
 
@@ -16324,6 +16490,13 @@
   <p:clrMapOvr>
     <a:masterClrMapping/>
   </p:clrMapOvr>
+  <p:timing>
+    <p:tnLst>
+      <p:par>
+        <p:cTn id="1" dur="indefinite" restart="never" nodeType="tmRoot"/>
+      </p:par>
+    </p:tnLst>
+  </p:timing>
 </p:sld>
 </file>
 
@@ -16465,6 +16638,13 @@
   <p:clrMapOvr>
     <a:masterClrMapping/>
   </p:clrMapOvr>
+  <p:timing>
+    <p:tnLst>
+      <p:par>
+        <p:cTn id="1" dur="indefinite" restart="never" nodeType="tmRoot"/>
+      </p:par>
+    </p:tnLst>
+  </p:timing>
 </p:sld>
 </file>
 
@@ -16538,9 +16718,10 @@
           </a:p>
           <a:p>
             <a:r>
-              <a:rPr lang="en-US" sz="2300" dirty="0"/>
-              <a:t>Packaging into tools for ArcGIS Pro/ArcMap</a:t>
-            </a:r>
+              <a:rPr lang="en-US" sz="2300" smtClean="0"/>
+              <a:t>Sharing your code</a:t>
+            </a:r>
+            <a:endParaRPr lang="en-US" sz="2300" dirty="0"/>
           </a:p>
           <a:p>
             <a:r>
@@ -16568,6 +16749,13 @@
   <p:clrMapOvr>
     <a:masterClrMapping/>
   </p:clrMapOvr>
+  <p:timing>
+    <p:tnLst>
+      <p:par>
+        <p:cTn id="1" dur="indefinite" restart="never" nodeType="tmRoot"/>
+      </p:par>
+    </p:tnLst>
+  </p:timing>
 </p:sld>
 </file>
 
@@ -16673,6 +16861,13 @@
   <p:clrMapOvr>
     <a:masterClrMapping/>
   </p:clrMapOvr>
+  <p:timing>
+    <p:tnLst>
+      <p:par>
+        <p:cTn id="1" dur="indefinite" restart="never" nodeType="tmRoot"/>
+      </p:par>
+    </p:tnLst>
+  </p:timing>
 </p:sld>
 </file>
 
@@ -16766,6 +16961,13 @@
   <p:clrMapOvr>
     <a:masterClrMapping/>
   </p:clrMapOvr>
+  <p:timing>
+    <p:tnLst>
+      <p:par>
+        <p:cTn id="1" dur="indefinite" restart="never" nodeType="tmRoot"/>
+      </p:par>
+    </p:tnLst>
+  </p:timing>
 </p:sld>
 </file>
 
@@ -16831,7 +17033,7 @@
         </p:spPr>
         <p:txBody>
           <a:bodyPr>
-            <a:normAutofit fontScale="92500" lnSpcReduction="10000"/>
+            <a:normAutofit lnSpcReduction="10000"/>
           </a:bodyPr>
           <a:lstStyle/>
           <a:p>
@@ -16848,15 +17050,15 @@
               <a:rPr lang="en-US" dirty="0"/>
               <a:t>“Python is an easy to learn, powerful language... (with) high-level data structures and a simple but effective approach to object-oriented programming. Python’s elegant syntax and dynamic typing...make it an ideal language for scripting...in many areas and on most platforms.” </a:t>
             </a:r>
-          </a:p>
-          <a:p>
-            <a:pPr marL="0" indent="0" algn="r">
-              <a:buNone/>
-            </a:pPr>
-            <a:r>
-              <a:rPr lang="en-US" i="1" dirty="0"/>
+            <a:r>
+              <a:rPr lang="en-US" dirty="0" smtClean="0"/>
+              <a:t>									</a:t>
+            </a:r>
+            <a:r>
+              <a:rPr lang="en-US" i="1" dirty="0" smtClean="0"/>
               <a:t>ESRI</a:t>
             </a:r>
+            <a:endParaRPr lang="en-US" i="1" dirty="0"/>
           </a:p>
           <a:p>
             <a:pPr marL="0" indent="0">
@@ -16876,11 +17078,7 @@
           <a:p>
             <a:r>
               <a:rPr lang="en-US" dirty="0"/>
-              <a:t>Widely useful, great community							                </a:t>
-            </a:r>
-            <a:r>
-              <a:rPr lang="en-US" i="1" dirty="0"/>
-              <a:t> </a:t>
+              <a:t>Widely useful, great community							            </a:t>
             </a:r>
             <a:r>
               <a:rPr lang="en-US" i="1" dirty="0" smtClean="0"/>
@@ -16976,6 +17174,13 @@
   <p:clrMapOvr>
     <a:masterClrMapping/>
   </p:clrMapOvr>
+  <p:timing>
+    <p:tnLst>
+      <p:par>
+        <p:cTn id="1" dur="indefinite" restart="never" nodeType="tmRoot"/>
+      </p:par>
+    </p:tnLst>
+  </p:timing>
 </p:sld>
 </file>
 
@@ -17152,6 +17357,13 @@
   <p:clrMapOvr>
     <a:masterClrMapping/>
   </p:clrMapOvr>
+  <p:timing>
+    <p:tnLst>
+      <p:par>
+        <p:cTn id="1" dur="indefinite" restart="never" nodeType="tmRoot"/>
+      </p:par>
+    </p:tnLst>
+  </p:timing>
 </p:sld>
 </file>
 
@@ -17361,8 +17573,8 @@
         </p:nvSpPr>
         <p:spPr>
           <a:xfrm>
-            <a:off x="259572" y="3031360"/>
-            <a:ext cx="4973507" cy="2186632"/>
+            <a:off x="259572" y="3144762"/>
+            <a:ext cx="4973507" cy="1814286"/>
           </a:xfrm>
           <a:prstGeom prst="rect">
             <a:avLst/>
@@ -18174,6 +18386,13 @@
   <p:clrMapOvr>
     <a:masterClrMapping/>
   </p:clrMapOvr>
+  <p:timing>
+    <p:tnLst>
+      <p:par>
+        <p:cTn id="1" dur="indefinite" restart="never" nodeType="tmRoot"/>
+      </p:par>
+    </p:tnLst>
+  </p:timing>
 </p:sld>
 </file>
 
@@ -18543,6 +18762,13 @@
   <p:clrMapOvr>
     <a:masterClrMapping/>
   </p:clrMapOvr>
+  <p:timing>
+    <p:tnLst>
+      <p:par>
+        <p:cTn id="1" dur="indefinite" restart="never" nodeType="tmRoot"/>
+      </p:par>
+    </p:tnLst>
+  </p:timing>
 </p:sld>
 </file>
 
@@ -18901,6 +19127,13 @@
   <p:clrMapOvr>
     <a:masterClrMapping/>
   </p:clrMapOvr>
+  <p:timing>
+    <p:tnLst>
+      <p:par>
+        <p:cTn id="1" dur="indefinite" restart="never" nodeType="tmRoot"/>
+      </p:par>
+    </p:tnLst>
+  </p:timing>
 </p:sld>
 </file>
 
@@ -19634,16 +19867,16 @@
 <file path=customXml/itemProps1.xml><?xml version="1.0" encoding="utf-8"?>
 <ds:datastoreItem xmlns:ds="http://schemas.openxmlformats.org/officeDocument/2006/customXml" ds:itemID="{016EC5F1-B2CD-46ED-88A3-279E6A14DD7F}">
   <ds:schemaRefs>
-    <ds:schemaRef ds:uri="http://schemas.openxmlformats.org/package/2006/metadata/core-properties"/>
+    <ds:schemaRef ds:uri="http://purl.org/dc/dcmitype/"/>
+    <ds:schemaRef ds:uri="http://schemas.microsoft.com/office/2006/metadata/properties"/>
+    <ds:schemaRef ds:uri="http://purl.org/dc/elements/1.1/"/>
+    <ds:schemaRef ds:uri="16aa3f2d-47b8-4a75-a8f5-1c0f60bcb387"/>
+    <ds:schemaRef ds:uri="http://schemas.microsoft.com/office/2006/documentManagement/types"/>
     <ds:schemaRef ds:uri="d36856fe-d4a9-4f0b-87a7-8fa063632c32"/>
-    <ds:schemaRef ds:uri="http://schemas.microsoft.com/office/2006/documentManagement/types"/>
-    <ds:schemaRef ds:uri="http://www.w3.org/XML/1998/namespace"/>
-    <ds:schemaRef ds:uri="http://schemas.microsoft.com/office/2006/metadata/properties"/>
     <ds:schemaRef ds:uri="http://purl.org/dc/terms/"/>
     <ds:schemaRef ds:uri="http://schemas.microsoft.com/office/infopath/2007/PartnerControls"/>
-    <ds:schemaRef ds:uri="http://purl.org/dc/elements/1.1/"/>
-    <ds:schemaRef ds:uri="http://purl.org/dc/dcmitype/"/>
-    <ds:schemaRef ds:uri="16aa3f2d-47b8-4a75-a8f5-1c0f60bcb387"/>
+    <ds:schemaRef ds:uri="http://schemas.openxmlformats.org/package/2006/metadata/core-properties"/>
+    <ds:schemaRef ds:uri="http://www.w3.org/XML/1998/namespace"/>
   </ds:schemaRefs>
 </ds:datastoreItem>
 </file>

--- a/additional_resources/HandsOnPythonClass_June25_2020.pptx
+++ b/additional_resources/HandsOnPythonClass_June25_2020.pptx
@@ -14388,7 +14388,23 @@
             </a:r>
             <a:r>
               <a:rPr lang="en-US" sz="2300" dirty="0"/>
-              <a:t>:\temp_PythonEx2bEx2c_files‘  Note: these are the temporary exercise files</a:t>
+              <a:t>:\</a:t>
+            </a:r>
+            <a:r>
+              <a:rPr lang="en-US" sz="2300" dirty="0" smtClean="0"/>
+              <a:t>Temp\</a:t>
+            </a:r>
+            <a:r>
+              <a:rPr lang="en-US" sz="2300" dirty="0" err="1" smtClean="0"/>
+              <a:t>python_exercise_demo</a:t>
+            </a:r>
+            <a:r>
+              <a:rPr lang="en-US" sz="2300" dirty="0" smtClean="0"/>
+              <a:t>‘  </a:t>
+            </a:r>
+            <a:r>
+              <a:rPr lang="en-US" sz="2300" dirty="0"/>
+              <a:t>Note: these are the temporary exercise files</a:t>
             </a:r>
           </a:p>
           <a:p>
@@ -19665,15 +19681,6 @@
 </file>
 
 <file path=customXml/item2.xml><?xml version="1.0" encoding="utf-8"?>
-<?mso-contentType ?>
-<FormTemplates xmlns="http://schemas.microsoft.com/sharepoint/v3/contenttype/forms">
-  <Display>DocumentLibraryForm</Display>
-  <Edit>DocumentLibraryForm</Edit>
-  <New>DocumentLibraryForm</New>
-</FormTemplates>
-</file>
-
-<file path=customXml/item3.xml><?xml version="1.0" encoding="utf-8"?>
 <ct:contentTypeSchema xmlns:ct="http://schemas.microsoft.com/office/2006/metadata/contentType" xmlns:ma="http://schemas.microsoft.com/office/2006/metadata/properties/metaAttributes" ct:_="" ma:_="" ma:contentTypeName="Document" ma:contentTypeID="0x01010076B730AABDB1BD4D9A9535349D5EF5B7" ma:contentTypeVersion="8" ma:contentTypeDescription="Create a new document." ma:contentTypeScope="" ma:versionID="24978ed82aee0d29782b4b7a828d282d">
   <xsd:schema xmlns:xsd="http://www.w3.org/2001/XMLSchema" xmlns:xs="http://www.w3.org/2001/XMLSchema" xmlns:p="http://schemas.microsoft.com/office/2006/metadata/properties" xmlns:ns2="d36856fe-d4a9-4f0b-87a7-8fa063632c32" xmlns:ns3="16aa3f2d-47b8-4a75-a8f5-1c0f60bcb387" targetNamespace="http://schemas.microsoft.com/office/2006/metadata/properties" ma:root="true" ma:fieldsID="38618db040043bd81eae9ea49e03adc4" ns2:_="" ns3:_="">
     <xsd:import namespace="d36856fe-d4a9-4f0b-87a7-8fa063632c32"/>
@@ -19864,32 +19871,33 @@
 </ct:contentTypeSchema>
 </file>
 
+<file path=customXml/item3.xml><?xml version="1.0" encoding="utf-8"?>
+<?mso-contentType ?>
+<FormTemplates xmlns="http://schemas.microsoft.com/sharepoint/v3/contenttype/forms">
+  <Display>DocumentLibraryForm</Display>
+  <Edit>DocumentLibraryForm</Edit>
+  <New>DocumentLibraryForm</New>
+</FormTemplates>
+</file>
+
 <file path=customXml/itemProps1.xml><?xml version="1.0" encoding="utf-8"?>
 <ds:datastoreItem xmlns:ds="http://schemas.openxmlformats.org/officeDocument/2006/customXml" ds:itemID="{016EC5F1-B2CD-46ED-88A3-279E6A14DD7F}">
   <ds:schemaRefs>
-    <ds:schemaRef ds:uri="http://purl.org/dc/dcmitype/"/>
-    <ds:schemaRef ds:uri="http://schemas.microsoft.com/office/2006/metadata/properties"/>
+    <ds:schemaRef ds:uri="http://purl.org/dc/terms/"/>
     <ds:schemaRef ds:uri="http://purl.org/dc/elements/1.1/"/>
     <ds:schemaRef ds:uri="16aa3f2d-47b8-4a75-a8f5-1c0f60bcb387"/>
+    <ds:schemaRef ds:uri="http://purl.org/dc/dcmitype/"/>
     <ds:schemaRef ds:uri="http://schemas.microsoft.com/office/2006/documentManagement/types"/>
-    <ds:schemaRef ds:uri="d36856fe-d4a9-4f0b-87a7-8fa063632c32"/>
-    <ds:schemaRef ds:uri="http://purl.org/dc/terms/"/>
-    <ds:schemaRef ds:uri="http://schemas.microsoft.com/office/infopath/2007/PartnerControls"/>
     <ds:schemaRef ds:uri="http://schemas.openxmlformats.org/package/2006/metadata/core-properties"/>
     <ds:schemaRef ds:uri="http://www.w3.org/XML/1998/namespace"/>
+    <ds:schemaRef ds:uri="http://schemas.microsoft.com/office/infopath/2007/PartnerControls"/>
+    <ds:schemaRef ds:uri="d36856fe-d4a9-4f0b-87a7-8fa063632c32"/>
+    <ds:schemaRef ds:uri="http://schemas.microsoft.com/office/2006/metadata/properties"/>
   </ds:schemaRefs>
 </ds:datastoreItem>
 </file>
 
 <file path=customXml/itemProps2.xml><?xml version="1.0" encoding="utf-8"?>
-<ds:datastoreItem xmlns:ds="http://schemas.openxmlformats.org/officeDocument/2006/customXml" ds:itemID="{4BE8B7FA-F172-4499-8396-AD910024C425}">
-  <ds:schemaRefs>
-    <ds:schemaRef ds:uri="http://schemas.microsoft.com/sharepoint/v3/contenttype/forms"/>
-  </ds:schemaRefs>
-</ds:datastoreItem>
-</file>
-
-<file path=customXml/itemProps3.xml><?xml version="1.0" encoding="utf-8"?>
 <ds:datastoreItem xmlns:ds="http://schemas.openxmlformats.org/officeDocument/2006/customXml" ds:itemID="{4256712C-87CC-4738-85AD-52386A0D52D7}">
   <ds:schemaRefs>
     <ds:schemaRef ds:uri="http://schemas.microsoft.com/office/2006/metadata/contentType"/>
@@ -19906,4 +19914,12 @@
     <ds:schemaRef ds:uri="http://schemas.microsoft.com/internal/obd"/>
   </ds:schemaRefs>
 </ds:datastoreItem>
+</file>
+
+<file path=customXml/itemProps3.xml><?xml version="1.0" encoding="utf-8"?>
+<ds:datastoreItem xmlns:ds="http://schemas.openxmlformats.org/officeDocument/2006/customXml" ds:itemID="{4BE8B7FA-F172-4499-8396-AD910024C425}">
+  <ds:schemaRefs>
+    <ds:schemaRef ds:uri="http://schemas.microsoft.com/sharepoint/v3/contenttype/forms"/>
+  </ds:schemaRefs>
+</ds:datastoreItem>
 </file>